--- a/WPDD202/Chapter 01.pptx
+++ b/WPDD202/Chapter 01.pptx
@@ -200,6 +200,9 @@
         </p15:guide>
       </p15:sldGuideLst>
     </p:ext>
+    <p:ext uri="{2D200454-40CA-4A62-9FC3-DE9A4176ACB9}">
+      <p15:notesGuideLst xmlns:p15="http://schemas.microsoft.com/office/powerpoint/2012/main"/>
+    </p:ext>
   </p:extLst>
 </p:presentation>
 </file>
@@ -7392,7 +7395,7 @@
           <a:p>
             <a:fld id="{78FE1BA7-4187-488E-9E42-DEBD9072495B}" type="datetime1">
               <a:rPr lang="en-AU" smtClean="0"/>
-              <a:t>22/05/2024</a:t>
+              <a:t>28/05/2024</a:t>
             </a:fld>
             <a:endParaRPr lang="en-AU" dirty="0"/>
           </a:p>
@@ -7714,7 +7717,7 @@
           <a:p>
             <a:fld id="{305E9B68-AD7A-438F-9D1D-3DB3D6ABCFB0}" type="datetime1">
               <a:rPr lang="en-AU" smtClean="0"/>
-              <a:t>22/05/2024</a:t>
+              <a:t>28/05/2024</a:t>
             </a:fld>
             <a:endParaRPr lang="en-AU" dirty="0"/>
           </a:p>
@@ -7949,7 +7952,7 @@
           <a:p>
             <a:fld id="{2A07E56F-0407-419F-9E5E-869F663477AC}" type="datetime1">
               <a:rPr lang="en-AU" smtClean="0"/>
-              <a:t>22/05/2024</a:t>
+              <a:t>28/05/2024</a:t>
             </a:fld>
             <a:endParaRPr lang="en-AU" dirty="0"/>
           </a:p>
@@ -8194,7 +8197,7 @@
           <a:p>
             <a:fld id="{34DC7A53-BC4F-40B7-8C9A-C53F13553151}" type="datetime1">
               <a:rPr lang="en-AU" smtClean="0"/>
-              <a:t>22/05/2024</a:t>
+              <a:t>28/05/2024</a:t>
             </a:fld>
             <a:endParaRPr lang="en-AU" dirty="0"/>
           </a:p>
@@ -8660,7 +8663,7 @@
           <a:p>
             <a:fld id="{0B7BFBD5-ADEF-409A-8496-1C199FD86A25}" type="datetime1">
               <a:rPr lang="en-AU" smtClean="0"/>
-              <a:t>22/05/2024</a:t>
+              <a:t>28/05/2024</a:t>
             </a:fld>
             <a:endParaRPr lang="en-AU" dirty="0"/>
           </a:p>
@@ -8895,7 +8898,7 @@
           <a:p>
             <a:fld id="{7FA1ACBD-4E48-4D63-B331-940BE5A8216D}" type="datetime1">
               <a:rPr lang="en-AU" smtClean="0"/>
-              <a:t>22/05/2024</a:t>
+              <a:t>28/05/2024</a:t>
             </a:fld>
             <a:endParaRPr lang="en-AU" dirty="0"/>
           </a:p>
@@ -9206,7 +9209,7 @@
           <a:p>
             <a:fld id="{4B10E7CA-4BA3-4495-99CB-21D30A274AF2}" type="datetime1">
               <a:rPr lang="en-AU" smtClean="0"/>
-              <a:t>22/05/2024</a:t>
+              <a:t>28/05/2024</a:t>
             </a:fld>
             <a:endParaRPr lang="en-AU" dirty="0"/>
           </a:p>
@@ -9439,7 +9442,7 @@
           <a:p>
             <a:fld id="{F37DC6C7-015B-415C-9580-A51F4B0DD460}" type="datetime1">
               <a:rPr lang="en-AU" smtClean="0"/>
-              <a:t>22/05/2024</a:t>
+              <a:t>28/05/2024</a:t>
             </a:fld>
             <a:endParaRPr lang="en-AU" dirty="0"/>
           </a:p>
@@ -9866,7 +9869,7 @@
           <a:p>
             <a:fld id="{E43AF249-7AAA-440E-9A94-2519FA17C0A0}" type="datetime1">
               <a:rPr lang="en-AU" smtClean="0"/>
-              <a:t>22/05/2024</a:t>
+              <a:t>28/05/2024</a:t>
             </a:fld>
             <a:endParaRPr lang="en-AU" dirty="0"/>
           </a:p>
@@ -10049,7 +10052,7 @@
           <a:p>
             <a:fld id="{F859AB67-BE92-4A5F-B3CB-248AC6737EBC}" type="datetime1">
               <a:rPr lang="en-AU" smtClean="0"/>
-              <a:t>22/05/2024</a:t>
+              <a:t>28/05/2024</a:t>
             </a:fld>
             <a:endParaRPr lang="en-AU" dirty="0"/>
           </a:p>
@@ -10209,7 +10212,7 @@
           <a:p>
             <a:fld id="{A4860BC5-6149-45B8-B367-B9B0D66BE27E}" type="datetime1">
               <a:rPr lang="en-AU" smtClean="0"/>
-              <a:t>22/05/2024</a:t>
+              <a:t>28/05/2024</a:t>
             </a:fld>
             <a:endParaRPr lang="en-AU" dirty="0"/>
           </a:p>
@@ -10487,7 +10490,7 @@
           <a:p>
             <a:fld id="{59306243-C70C-45D1-8356-394DC7D7A48D}" type="datetime1">
               <a:rPr lang="en-AU" smtClean="0"/>
-              <a:t>22/05/2024</a:t>
+              <a:t>28/05/2024</a:t>
             </a:fld>
             <a:endParaRPr lang="en-AU" dirty="0"/>
           </a:p>
@@ -11020,7 +11023,7 @@
           <a:p>
             <a:fld id="{59306243-C70C-45D1-8356-394DC7D7A48D}" type="datetime1">
               <a:rPr lang="en-AU" smtClean="0"/>
-              <a:t>22/05/2024</a:t>
+              <a:t>28/05/2024</a:t>
             </a:fld>
             <a:endParaRPr lang="en-AU" dirty="0"/>
           </a:p>
@@ -20695,8 +20698,8 @@
         </p:blipFill>
         <p:spPr>
           <a:xfrm>
-            <a:off x="152400" y="2514600"/>
-            <a:ext cx="8644655" cy="3200400"/>
+            <a:off x="152400" y="2133600"/>
+            <a:ext cx="8644655" cy="3886200"/>
           </a:xfrm>
           <a:prstGeom prst="rect">
             <a:avLst/>

--- a/WPDD202/Chapter 01.pptx
+++ b/WPDD202/Chapter 01.pptx
@@ -19636,8 +19636,8 @@
         </p:nvSpPr>
         <p:spPr>
           <a:xfrm>
-            <a:off x="628650" y="2438400"/>
-            <a:ext cx="7886700" cy="3508375"/>
+            <a:off x="628650" y="1981200"/>
+            <a:ext cx="7886700" cy="3965575"/>
           </a:xfrm>
         </p:spPr>
         <p:txBody>
@@ -20699,7 +20699,7 @@
         <p:spPr>
           <a:xfrm>
             <a:off x="152400" y="2133600"/>
-            <a:ext cx="8644655" cy="3886200"/>
+            <a:ext cx="8644655" cy="3657600"/>
           </a:xfrm>
           <a:prstGeom prst="rect">
             <a:avLst/>
@@ -22068,7 +22068,7 @@
           <a:p>
             <a:r>
               <a:rPr lang="en-US" sz="2600" dirty="0"/>
-              <a:t>The World Wide Web, also called the </a:t>
+              <a:t>The World Wide Web WWW , also called the </a:t>
             </a:r>
             <a:r>
               <a:rPr lang="en-US" sz="2600" b="1" dirty="0"/>
@@ -22105,6 +22105,12 @@
             <a:r>
               <a:rPr lang="en-IN" sz="2600" dirty="0"/>
               <a:t> is a related collection of webpages created and maintained by a person, company, educational institution, or other organization</a:t>
+            </a:r>
+          </a:p>
+          <a:p>
+            <a:r>
+              <a:rPr lang="en-IN" sz="2600" dirty="0"/>
+              <a:t>www.google.com</a:t>
             </a:r>
           </a:p>
         </p:txBody>

--- a/WPDD202/Chapter 01.pptx
+++ b/WPDD202/Chapter 01.pptx
@@ -7395,7 +7395,7 @@
           <a:p>
             <a:fld id="{78FE1BA7-4187-488E-9E42-DEBD9072495B}" type="datetime1">
               <a:rPr lang="en-AU" smtClean="0"/>
-              <a:t>28/05/2024</a:t>
+              <a:t>20/06/2024</a:t>
             </a:fld>
             <a:endParaRPr lang="en-AU" dirty="0"/>
           </a:p>
@@ -7717,7 +7717,7 @@
           <a:p>
             <a:fld id="{305E9B68-AD7A-438F-9D1D-3DB3D6ABCFB0}" type="datetime1">
               <a:rPr lang="en-AU" smtClean="0"/>
-              <a:t>28/05/2024</a:t>
+              <a:t>20/06/2024</a:t>
             </a:fld>
             <a:endParaRPr lang="en-AU" dirty="0"/>
           </a:p>
@@ -7952,7 +7952,7 @@
           <a:p>
             <a:fld id="{2A07E56F-0407-419F-9E5E-869F663477AC}" type="datetime1">
               <a:rPr lang="en-AU" smtClean="0"/>
-              <a:t>28/05/2024</a:t>
+              <a:t>20/06/2024</a:t>
             </a:fld>
             <a:endParaRPr lang="en-AU" dirty="0"/>
           </a:p>
@@ -8197,7 +8197,7 @@
           <a:p>
             <a:fld id="{34DC7A53-BC4F-40B7-8C9A-C53F13553151}" type="datetime1">
               <a:rPr lang="en-AU" smtClean="0"/>
-              <a:t>28/05/2024</a:t>
+              <a:t>20/06/2024</a:t>
             </a:fld>
             <a:endParaRPr lang="en-AU" dirty="0"/>
           </a:p>
@@ -8663,7 +8663,7 @@
           <a:p>
             <a:fld id="{0B7BFBD5-ADEF-409A-8496-1C199FD86A25}" type="datetime1">
               <a:rPr lang="en-AU" smtClean="0"/>
-              <a:t>28/05/2024</a:t>
+              <a:t>20/06/2024</a:t>
             </a:fld>
             <a:endParaRPr lang="en-AU" dirty="0"/>
           </a:p>
@@ -8898,7 +8898,7 @@
           <a:p>
             <a:fld id="{7FA1ACBD-4E48-4D63-B331-940BE5A8216D}" type="datetime1">
               <a:rPr lang="en-AU" smtClean="0"/>
-              <a:t>28/05/2024</a:t>
+              <a:t>20/06/2024</a:t>
             </a:fld>
             <a:endParaRPr lang="en-AU" dirty="0"/>
           </a:p>
@@ -9209,7 +9209,7 @@
           <a:p>
             <a:fld id="{4B10E7CA-4BA3-4495-99CB-21D30A274AF2}" type="datetime1">
               <a:rPr lang="en-AU" smtClean="0"/>
-              <a:t>28/05/2024</a:t>
+              <a:t>20/06/2024</a:t>
             </a:fld>
             <a:endParaRPr lang="en-AU" dirty="0"/>
           </a:p>
@@ -9442,7 +9442,7 @@
           <a:p>
             <a:fld id="{F37DC6C7-015B-415C-9580-A51F4B0DD460}" type="datetime1">
               <a:rPr lang="en-AU" smtClean="0"/>
-              <a:t>28/05/2024</a:t>
+              <a:t>20/06/2024</a:t>
             </a:fld>
             <a:endParaRPr lang="en-AU" dirty="0"/>
           </a:p>
@@ -9869,7 +9869,7 @@
           <a:p>
             <a:fld id="{E43AF249-7AAA-440E-9A94-2519FA17C0A0}" type="datetime1">
               <a:rPr lang="en-AU" smtClean="0"/>
-              <a:t>28/05/2024</a:t>
+              <a:t>20/06/2024</a:t>
             </a:fld>
             <a:endParaRPr lang="en-AU" dirty="0"/>
           </a:p>
@@ -10052,7 +10052,7 @@
           <a:p>
             <a:fld id="{F859AB67-BE92-4A5F-B3CB-248AC6737EBC}" type="datetime1">
               <a:rPr lang="en-AU" smtClean="0"/>
-              <a:t>28/05/2024</a:t>
+              <a:t>20/06/2024</a:t>
             </a:fld>
             <a:endParaRPr lang="en-AU" dirty="0"/>
           </a:p>
@@ -10212,7 +10212,7 @@
           <a:p>
             <a:fld id="{A4860BC5-6149-45B8-B367-B9B0D66BE27E}" type="datetime1">
               <a:rPr lang="en-AU" smtClean="0"/>
-              <a:t>28/05/2024</a:t>
+              <a:t>20/06/2024</a:t>
             </a:fld>
             <a:endParaRPr lang="en-AU" dirty="0"/>
           </a:p>
@@ -10490,7 +10490,7 @@
           <a:p>
             <a:fld id="{59306243-C70C-45D1-8356-394DC7D7A48D}" type="datetime1">
               <a:rPr lang="en-AU" smtClean="0"/>
-              <a:t>28/05/2024</a:t>
+              <a:t>20/06/2024</a:t>
             </a:fld>
             <a:endParaRPr lang="en-AU" dirty="0"/>
           </a:p>
@@ -11023,7 +11023,7 @@
           <a:p>
             <a:fld id="{59306243-C70C-45D1-8356-394DC7D7A48D}" type="datetime1">
               <a:rPr lang="en-AU" smtClean="0"/>
-              <a:t>28/05/2024</a:t>
+              <a:t>20/06/2024</a:t>
             </a:fld>
             <a:endParaRPr lang="en-AU" dirty="0"/>
           </a:p>
@@ -12991,11 +12991,19 @@
               <a:t>A </a:t>
             </a:r>
             <a:r>
-              <a:rPr lang="en-US" sz="2600" b="1" dirty="0"/>
+              <a:rPr lang="en-US" sz="2600" b="1" dirty="0">
+                <a:solidFill>
+                  <a:srgbClr val="FF0000"/>
+                </a:solidFill>
+              </a:rPr>
               <a:t>Uniform Resource Locator </a:t>
             </a:r>
             <a:r>
-              <a:rPr lang="en-US" sz="2600" dirty="0"/>
+              <a:rPr lang="en-US" sz="2600" dirty="0">
+                <a:solidFill>
+                  <a:srgbClr val="FF0000"/>
+                </a:solidFill>
+              </a:rPr>
               <a:t>(URL) is the address of a document or other file accessible on the Internet</a:t>
             </a:r>
           </a:p>
@@ -13006,7 +13014,11 @@
               </a:lnSpc>
             </a:pPr>
             <a:r>
-              <a:rPr lang="en-US" sz="2400" dirty="0"/>
+              <a:rPr lang="en-US" sz="2400" dirty="0">
+                <a:solidFill>
+                  <a:srgbClr val="FF0000"/>
+                </a:solidFill>
+              </a:rPr>
               <a:t>http://www.cengagebrain.com/shop/index.html</a:t>
             </a:r>
           </a:p>
@@ -13722,18 +13734,30 @@
               <a:t>Educational institutions use a </a:t>
             </a:r>
             <a:r>
-              <a:rPr lang="en-IN" sz="2600" b="1" dirty="0"/>
+              <a:rPr lang="en-IN" sz="2600" b="1" dirty="0">
+                <a:solidFill>
+                  <a:srgbClr val="FF0000"/>
+                </a:solidFill>
+              </a:rPr>
               <a:t>Learning Management System (LMS) </a:t>
             </a:r>
             <a:r>
-              <a:rPr lang="en-IN" sz="2600" dirty="0"/>
+              <a:rPr lang="en-IN" sz="2600" dirty="0">
+                <a:solidFill>
+                  <a:srgbClr val="FF0000"/>
+                </a:solidFill>
+              </a:rPr>
               <a:t>to simplify course management</a:t>
             </a:r>
           </a:p>
           <a:p>
             <a:pPr lvl="1"/>
             <a:r>
-              <a:rPr lang="en-IN" sz="2400" dirty="0"/>
+              <a:rPr lang="en-IN" sz="2400" dirty="0">
+                <a:solidFill>
+                  <a:srgbClr val="FF0000"/>
+                </a:solidFill>
+              </a:rPr>
               <a:t>An LMS is a web-based software application designed to facilitate online learning</a:t>
             </a:r>
           </a:p>
@@ -13879,13 +13903,37 @@
           <a:lstStyle/>
           <a:p>
             <a:r>
+              <a:rPr lang="en-IN" sz="2600" dirty="0">
+                <a:solidFill>
+                  <a:srgbClr val="FF0000"/>
+                </a:solidFill>
+              </a:rPr>
+              <a:t>Purpose of the website </a:t>
+            </a:r>
+            <a:r>
               <a:rPr lang="en-IN" sz="2600" dirty="0"/>
-              <a:t>Purpose of the website — The purpose of a commercial business website is related to the goal of selling products or services</a:t>
-            </a:r>
-          </a:p>
-          <a:p>
+              <a:t>— </a:t>
+            </a:r>
+            <a:r>
+              <a:rPr lang="en-IN" sz="2600" dirty="0">
+                <a:solidFill>
+                  <a:srgbClr val="FF0000"/>
+                </a:solidFill>
+              </a:rPr>
+              <a:t>The purpose of a commercial business website</a:t>
+            </a:r>
             <a:r>
               <a:rPr lang="en-IN" sz="2600" dirty="0"/>
+              <a:t> is related to the goal of selling products or services</a:t>
+            </a:r>
+          </a:p>
+          <a:p>
+            <a:r>
+              <a:rPr lang="en-IN" sz="2600" dirty="0">
+                <a:solidFill>
+                  <a:srgbClr val="FF0000"/>
+                </a:solidFill>
+              </a:rPr>
               <a:t>Target Audience — The people who use the website are known as the target audience</a:t>
             </a:r>
           </a:p>
@@ -14035,7 +14083,12 @@
             <p:ph idx="1"/>
           </p:nvPr>
         </p:nvSpPr>
-        <p:spPr/>
+        <p:spPr>
+          <a:xfrm>
+            <a:off x="628650" y="1743614"/>
+            <a:ext cx="7886700" cy="4433349"/>
+          </a:xfrm>
+        </p:spPr>
         <p:txBody>
           <a:bodyPr>
             <a:normAutofit/>
@@ -14043,45 +14096,101 @@
           <a:lstStyle/>
           <a:p>
             <a:r>
-              <a:rPr lang="en-IN" sz="2600" dirty="0"/>
+              <a:rPr lang="en-IN" sz="2600" dirty="0">
+                <a:solidFill>
+                  <a:srgbClr val="FF0000"/>
+                </a:solidFill>
+              </a:rPr>
               <a:t>A </a:t>
             </a:r>
             <a:r>
-              <a:rPr lang="en-IN" sz="2600" b="1" dirty="0"/>
+              <a:rPr lang="en-IN" sz="2600" b="1" dirty="0">
+                <a:solidFill>
+                  <a:srgbClr val="FF0000"/>
+                </a:solidFill>
+              </a:rPr>
               <a:t>wireframe </a:t>
             </a:r>
             <a:r>
-              <a:rPr lang="en-IN" sz="2600" dirty="0"/>
+              <a:rPr lang="en-IN" sz="2600" dirty="0">
+                <a:solidFill>
+                  <a:srgbClr val="FF0000"/>
+                </a:solidFill>
+              </a:rPr>
               <a:t>is a simple, visual guide that clearly identifies the location of main webpage elements</a:t>
             </a:r>
           </a:p>
           <a:p>
             <a:r>
-              <a:rPr lang="en-IN" sz="2600" b="1" dirty="0"/>
+              <a:rPr lang="en-IN" sz="2600" b="1" dirty="0">
+                <a:solidFill>
+                  <a:srgbClr val="FF0000"/>
+                </a:solidFill>
+              </a:rPr>
               <a:t>Active white space </a:t>
             </a:r>
             <a:r>
-              <a:rPr lang="en-IN" sz="2600" dirty="0"/>
+              <a:rPr lang="en-IN" sz="2600" dirty="0">
+                <a:solidFill>
+                  <a:srgbClr val="FF0000"/>
+                </a:solidFill>
+              </a:rPr>
               <a:t>is an area on the page that is intentionally left blank</a:t>
             </a:r>
-            <a:endParaRPr lang="en-IN" sz="2200" dirty="0"/>
-          </a:p>
-          <a:p>
-            <a:r>
-              <a:rPr lang="en-IN" sz="2600" b="1" dirty="0"/>
+            <a:endParaRPr lang="en-IN" sz="2200" dirty="0">
+              <a:solidFill>
+                <a:srgbClr val="FF0000"/>
+              </a:solidFill>
+            </a:endParaRPr>
+          </a:p>
+          <a:p>
+            <a:r>
+              <a:rPr lang="en-IN" sz="2600" b="1" dirty="0">
+                <a:solidFill>
+                  <a:srgbClr val="FF0000"/>
+                </a:solidFill>
+              </a:rPr>
               <a:t>Passive white space </a:t>
             </a:r>
             <a:r>
-              <a:rPr lang="en-IN" sz="2600" dirty="0"/>
+              <a:rPr lang="en-IN" sz="2600" dirty="0">
+                <a:solidFill>
+                  <a:srgbClr val="FF0000"/>
+                </a:solidFill>
+              </a:rPr>
               <a:t>is the space between content areas</a:t>
             </a:r>
           </a:p>
           <a:p>
             <a:pPr lvl="1"/>
             <a:r>
-              <a:rPr lang="en-IN" sz="2400" dirty="0"/>
+              <a:rPr lang="en-IN" sz="2400" dirty="0">
+                <a:solidFill>
+                  <a:srgbClr val="FF0000"/>
+                </a:solidFill>
+              </a:rPr>
               <a:t>Helps a user focus on one part of the page</a:t>
             </a:r>
+          </a:p>
+          <a:p>
+            <a:pPr marL="342900" lvl="1" indent="0">
+              <a:buNone/>
+            </a:pPr>
+            <a:endParaRPr lang="en-IN" sz="2400" dirty="0">
+              <a:solidFill>
+                <a:srgbClr val="FF0000"/>
+              </a:solidFill>
+            </a:endParaRPr>
+          </a:p>
+          <a:p>
+            <a:pPr marL="342900" lvl="1" indent="0">
+              <a:buNone/>
+            </a:pPr>
+            <a:endParaRPr lang="en-IN" sz="2400" dirty="0">
+              <a:solidFill>
+                <a:srgbClr val="FF0000"/>
+              </a:solidFill>
+            </a:endParaRPr>
           </a:p>
         </p:txBody>
       </p:sp>
@@ -15131,22 +15240,42 @@
           <a:lstStyle/>
           <a:p>
             <a:r>
+              <a:rPr lang="en-IN" sz="2600" dirty="0">
+                <a:solidFill>
+                  <a:srgbClr val="FF0000"/>
+                </a:solidFill>
+              </a:rPr>
+              <a:t>A </a:t>
+            </a:r>
+            <a:r>
+              <a:rPr lang="en-IN" sz="2600" b="1" dirty="0">
+                <a:solidFill>
+                  <a:srgbClr val="FF0000"/>
+                </a:solidFill>
+              </a:rPr>
+              <a:t>site map </a:t>
+            </a:r>
+            <a:r>
+              <a:rPr lang="en-IN" sz="2600" dirty="0">
+                <a:solidFill>
+                  <a:srgbClr val="FF0000"/>
+                </a:solidFill>
+              </a:rPr>
+              <a:t>is a planning tool that lists or displays all the pages on a website </a:t>
+            </a:r>
+            <a:r>
               <a:rPr lang="en-IN" sz="2600" dirty="0"/>
-              <a:t>A </a:t>
-            </a:r>
-            <a:r>
-              <a:rPr lang="en-IN" sz="2600" b="1" dirty="0"/>
-              <a:t>site map </a:t>
-            </a:r>
-            <a:r>
-              <a:rPr lang="en-IN" sz="2600" dirty="0"/>
-              <a:t>is a planning tool that lists or displays all the pages on a website and indicates how they are related to each other</a:t>
+              <a:t>and indicates how they are related to each other</a:t>
             </a:r>
           </a:p>
           <a:p>
             <a:pPr lvl="1"/>
             <a:r>
-              <a:rPr lang="en-IN" sz="2400" dirty="0"/>
+              <a:rPr lang="en-IN" sz="2400" dirty="0">
+                <a:solidFill>
+                  <a:srgbClr val="FF0000"/>
+                </a:solidFill>
+              </a:rPr>
               <a:t>It shows the structure of a website</a:t>
             </a:r>
           </a:p>
@@ -15675,6 +15804,9 @@
             </a:r>
           </a:p>
           <a:p>
+            <a:pPr marL="0" indent="0">
+              <a:buNone/>
+            </a:pPr>
             <a:endParaRPr lang="en-IN" dirty="0"/>
           </a:p>
         </p:txBody>
@@ -15771,7 +15903,7 @@
         </p:blipFill>
         <p:spPr>
           <a:xfrm>
-            <a:off x="2023739" y="2307179"/>
+            <a:off x="2514600" y="2284843"/>
             <a:ext cx="4639322" cy="3981814"/>
           </a:xfrm>
           <a:prstGeom prst="rect">
@@ -16727,7 +16859,7 @@
           <a:lstStyle/>
           <a:p>
             <a:r>
-              <a:rPr lang="en-IN" sz="2600" dirty="0"/>
+              <a:rPr lang="en-IN" sz="2800" dirty="0"/>
               <a:t>A web designer should create pages for viewing by a diverse audience, including people with physical impairments and global users</a:t>
             </a:r>
           </a:p>
@@ -17290,12 +17422,24 @@
               <a:t>Webpages are created using </a:t>
             </a:r>
             <a:r>
-              <a:rPr lang="en-US" sz="2600" b="1" dirty="0"/>
+              <a:rPr lang="en-US" sz="2600" b="1" dirty="0">
+                <a:solidFill>
+                  <a:srgbClr val="FF0000"/>
+                </a:solidFill>
+              </a:rPr>
               <a:t>Hypertext Markup Language </a:t>
             </a:r>
             <a:r>
+              <a:rPr lang="en-US" sz="2600" dirty="0">
+                <a:solidFill>
+                  <a:srgbClr val="FF0000"/>
+                </a:solidFill>
+              </a:rPr>
+              <a:t>(HTML), </a:t>
+            </a:r>
+            <a:r>
               <a:rPr lang="en-US" sz="2600" dirty="0"/>
-              <a:t>(HTML), which is an authoring language used to create documents for the web</a:t>
+              <a:t>which is an authoring language used to create documents for the web</a:t>
             </a:r>
           </a:p>
           <a:p>
@@ -17319,11 +17463,19 @@
               <a:t>The HTML tags define or “mark up” the content on the webpage, due to which it is considered a </a:t>
             </a:r>
             <a:r>
-              <a:rPr lang="en-IN" sz="2600" b="1" dirty="0" err="1"/>
+              <a:rPr lang="en-IN" sz="2600" b="1" dirty="0" err="1">
+                <a:solidFill>
+                  <a:srgbClr val="FF0000"/>
+                </a:solidFill>
+              </a:rPr>
               <a:t>markup</a:t>
             </a:r>
             <a:r>
-              <a:rPr lang="en-IN" sz="2600" b="1" dirty="0"/>
+              <a:rPr lang="en-IN" sz="2600" b="1" dirty="0">
+                <a:solidFill>
+                  <a:srgbClr val="FF0000"/>
+                </a:solidFill>
+              </a:rPr>
               <a:t> language </a:t>
             </a:r>
             <a:r>
@@ -17694,15 +17846,27 @@
           </a:p>
           <a:p>
             <a:r>
-              <a:rPr lang="en-IN" sz="2600" dirty="0"/>
+              <a:rPr lang="en-IN" sz="2600" dirty="0">
+                <a:solidFill>
+                  <a:srgbClr val="FF0000"/>
+                </a:solidFill>
+              </a:rPr>
               <a:t>An </a:t>
             </a:r>
             <a:r>
-              <a:rPr lang="en-IN" sz="2600" b="1" dirty="0"/>
+              <a:rPr lang="en-IN" sz="2600" b="1" dirty="0">
+                <a:solidFill>
+                  <a:srgbClr val="FF0000"/>
+                </a:solidFill>
+              </a:rPr>
               <a:t>HTML element </a:t>
             </a:r>
             <a:r>
-              <a:rPr lang="en-IN" sz="2600" dirty="0"/>
+              <a:rPr lang="en-IN" sz="2600" dirty="0">
+                <a:solidFill>
+                  <a:srgbClr val="FF0000"/>
+                </a:solidFill>
+              </a:rPr>
               <a:t>consists of everything from the start tag to the end tag</a:t>
             </a:r>
           </a:p>
@@ -17870,8 +18034,8 @@
         </p:blipFill>
         <p:spPr>
           <a:xfrm>
-            <a:off x="628650" y="2350138"/>
-            <a:ext cx="7886700" cy="3302312"/>
+            <a:off x="628650" y="1743614"/>
+            <a:ext cx="7886700" cy="4123786"/>
           </a:xfrm>
         </p:spPr>
       </p:pic>
@@ -21473,50 +21637,102 @@
           <a:lstStyle/>
           <a:p>
             <a:r>
+              <a:rPr lang="en-IN" sz="2600" dirty="0">
+                <a:solidFill>
+                  <a:srgbClr val="FF0000"/>
+                </a:solidFill>
+              </a:rPr>
+              <a:t>The </a:t>
+            </a:r>
+            <a:r>
+              <a:rPr lang="en-IN" sz="2600" b="1" dirty="0">
+                <a:solidFill>
+                  <a:srgbClr val="FF0000"/>
+                </a:solidFill>
+              </a:rPr>
+              <a:t>Internet </a:t>
+            </a:r>
+            <a:r>
+              <a:rPr lang="en-IN" sz="2600" dirty="0">
+                <a:solidFill>
+                  <a:srgbClr val="FF0000"/>
+                </a:solidFill>
+              </a:rPr>
+              <a:t>is a worldwide collection of computers </a:t>
+            </a:r>
+            <a:r>
               <a:rPr lang="en-IN" sz="2600" dirty="0"/>
-              <a:t>The </a:t>
-            </a:r>
-            <a:r>
-              <a:rPr lang="en-IN" sz="2600" b="1" dirty="0"/>
-              <a:t>Internet </a:t>
+              <a:t>linked together for use by organizations, and individuals using communications devices and media</a:t>
+            </a:r>
+            <a:endParaRPr lang="en-US" sz="2600" dirty="0"/>
+          </a:p>
+          <a:p>
+            <a:r>
+              <a:rPr lang="en-IN" sz="2600" dirty="0">
+                <a:solidFill>
+                  <a:srgbClr val="FF0000"/>
+                </a:solidFill>
+              </a:rPr>
+              <a:t>A </a:t>
+            </a:r>
+            <a:r>
+              <a:rPr lang="en-IN" sz="2600" b="1" dirty="0">
+                <a:solidFill>
+                  <a:srgbClr val="FF0000"/>
+                </a:solidFill>
+              </a:rPr>
+              <a:t>node </a:t>
+            </a:r>
+            <a:r>
+              <a:rPr lang="en-IN" sz="2600" dirty="0">
+                <a:solidFill>
+                  <a:srgbClr val="FF0000"/>
+                </a:solidFill>
+              </a:rPr>
+              <a:t>is any device, such as a computer, tablet, or smartphone, connected to a </a:t>
+            </a:r>
+            <a:r>
+              <a:rPr lang="en-IN" sz="2600" b="1" dirty="0">
+                <a:solidFill>
+                  <a:srgbClr val="FF0000"/>
+                </a:solidFill>
+              </a:rPr>
+              <a:t>network</a:t>
+            </a:r>
+            <a:endParaRPr lang="en-IN" sz="2600" dirty="0">
+              <a:solidFill>
+                <a:srgbClr val="FF0000"/>
+              </a:solidFill>
+            </a:endParaRPr>
+          </a:p>
+          <a:p>
+            <a:r>
+              <a:rPr lang="en-IN" sz="2600" dirty="0">
+                <a:solidFill>
+                  <a:srgbClr val="FF0000"/>
+                </a:solidFill>
+              </a:rPr>
+              <a:t>A </a:t>
+            </a:r>
+            <a:r>
+              <a:rPr lang="en-IN" sz="2600" b="1" dirty="0">
+                <a:solidFill>
+                  <a:srgbClr val="FF0000"/>
+                </a:solidFill>
+              </a:rPr>
+              <a:t>network</a:t>
+            </a:r>
+            <a:r>
+              <a:rPr lang="en-IN" sz="2600" dirty="0">
+                <a:solidFill>
+                  <a:srgbClr val="FF0000"/>
+                </a:solidFill>
+              </a:rPr>
+              <a:t> is a collection of two or more computers linked together</a:t>
             </a:r>
             <a:r>
               <a:rPr lang="en-IN" sz="2600" dirty="0"/>
-              <a:t>is a worldwide collection of computers linked together for use by organizations, and individuals using communications devices and media</a:t>
-            </a:r>
-            <a:endParaRPr lang="en-US" sz="2600" dirty="0"/>
-          </a:p>
-          <a:p>
-            <a:r>
-              <a:rPr lang="en-IN" sz="2600" dirty="0"/>
-              <a:t>A </a:t>
-            </a:r>
-            <a:r>
-              <a:rPr lang="en-IN" sz="2600" b="1" dirty="0"/>
-              <a:t>node </a:t>
-            </a:r>
-            <a:r>
-              <a:rPr lang="en-IN" sz="2600" dirty="0"/>
-              <a:t>is any device, such as a computer, tablet, or smartphone, connected to a </a:t>
-            </a:r>
-            <a:r>
-              <a:rPr lang="en-IN" sz="2600" b="1" dirty="0"/>
-              <a:t>network</a:t>
-            </a:r>
-            <a:endParaRPr lang="en-IN" sz="2600" dirty="0"/>
-          </a:p>
-          <a:p>
-            <a:r>
-              <a:rPr lang="en-IN" sz="2600" dirty="0"/>
-              <a:t>A </a:t>
-            </a:r>
-            <a:r>
-              <a:rPr lang="en-IN" sz="2600" b="1" dirty="0"/>
-              <a:t>network</a:t>
-            </a:r>
-            <a:r>
-              <a:rPr lang="en-IN" sz="2600" dirty="0"/>
-              <a:t> is a collection of two or more computers linked together to share resources and information</a:t>
+              <a:t> to share resources and information</a:t>
             </a:r>
           </a:p>
           <a:p>
@@ -21886,40 +22102,76 @@
           <a:lstStyle/>
           <a:p>
             <a:r>
-              <a:rPr lang="en-IN" sz="2600" b="1" dirty="0"/>
+              <a:rPr lang="en-IN" sz="2600" b="1" dirty="0">
+                <a:solidFill>
+                  <a:srgbClr val="FF0000"/>
+                </a:solidFill>
+              </a:rPr>
               <a:t>Data lines </a:t>
             </a:r>
             <a:r>
-              <a:rPr lang="en-IN" sz="2600" dirty="0"/>
+              <a:rPr lang="en-IN" sz="2600" dirty="0">
+                <a:solidFill>
+                  <a:srgbClr val="FF0000"/>
+                </a:solidFill>
+              </a:rPr>
               <a:t>that connect networks allow data to move from one computer to another</a:t>
             </a:r>
-            <a:endParaRPr lang="en-US" sz="2600" dirty="0"/>
-          </a:p>
-          <a:p>
-            <a:r>
-              <a:rPr lang="en-US" sz="2600" dirty="0"/>
+            <a:endParaRPr lang="en-US" sz="2600" dirty="0">
+              <a:solidFill>
+                <a:srgbClr val="FF0000"/>
+              </a:solidFill>
+            </a:endParaRPr>
+          </a:p>
+          <a:p>
+            <a:r>
+              <a:rPr lang="en-US" sz="2600" dirty="0">
+                <a:solidFill>
+                  <a:srgbClr val="FF0000"/>
+                </a:solidFill>
+              </a:rPr>
               <a:t>The </a:t>
             </a:r>
             <a:r>
-              <a:rPr lang="en-US" sz="2600" b="1" dirty="0"/>
+              <a:rPr lang="en-US" sz="2600" b="1" dirty="0">
+                <a:solidFill>
+                  <a:srgbClr val="FF0000"/>
+                </a:solidFill>
+              </a:rPr>
               <a:t>Internet backbone</a:t>
             </a:r>
             <a:r>
-              <a:rPr lang="en-US" sz="2600" dirty="0"/>
+              <a:rPr lang="en-US" sz="2600" dirty="0">
+                <a:solidFill>
+                  <a:srgbClr val="FF0000"/>
+                </a:solidFill>
+              </a:rPr>
               <a:t> is a collection of high-speed data lines that connect major computer systems located around the world</a:t>
             </a:r>
           </a:p>
           <a:p>
             <a:r>
-              <a:rPr lang="en-US" sz="2600" dirty="0"/>
+              <a:rPr lang="en-US" sz="2600" dirty="0">
+                <a:solidFill>
+                  <a:srgbClr val="FF0000"/>
+                </a:solidFill>
+              </a:rPr>
               <a:t>An </a:t>
             </a:r>
             <a:r>
-              <a:rPr lang="en-US" sz="2600" b="1" dirty="0"/>
+              <a:rPr lang="en-US" sz="2600" b="1" dirty="0">
+                <a:solidFill>
+                  <a:srgbClr val="FF0000"/>
+                </a:solidFill>
+              </a:rPr>
               <a:t>Internet Service Provider </a:t>
             </a:r>
             <a:r>
-              <a:rPr lang="en-US" sz="2600" dirty="0"/>
+              <a:rPr lang="en-US" sz="2600" dirty="0">
+                <a:solidFill>
+                  <a:srgbClr val="FF0000"/>
+                </a:solidFill>
+              </a:rPr>
               <a:t>(ISP) is a company that has a permanent connection to the Internet backbone</a:t>
             </a:r>
           </a:p>
@@ -22067,8 +22319,16 @@
           <a:lstStyle/>
           <a:p>
             <a:r>
+              <a:rPr lang="en-US" sz="2600" dirty="0">
+                <a:solidFill>
+                  <a:srgbClr val="FF0000"/>
+                </a:solidFill>
+              </a:rPr>
+              <a:t>The World Wide Web WWW </a:t>
+            </a:r>
+            <a:r>
               <a:rPr lang="en-US" sz="2600" dirty="0"/>
-              <a:t>The World Wide Web WWW , also called the </a:t>
+              <a:t>, also called the </a:t>
             </a:r>
             <a:r>
               <a:rPr lang="en-US" sz="2600" b="1" dirty="0"/>
@@ -22086,10 +22346,22 @@
           <a:p>
             <a:r>
               <a:rPr lang="en-IN" sz="2600" dirty="0"/>
-              <a:t>The web consists of a collection of linked files known as </a:t>
-            </a:r>
-            <a:r>
-              <a:rPr lang="en-IN" sz="2600" b="1" dirty="0"/>
+              <a:t>The </a:t>
+            </a:r>
+            <a:r>
+              <a:rPr lang="en-IN" sz="2600" dirty="0">
+                <a:solidFill>
+                  <a:srgbClr val="FF0000"/>
+                </a:solidFill>
+              </a:rPr>
+              <a:t>web consists of a collection of linked files known as </a:t>
+            </a:r>
+            <a:r>
+              <a:rPr lang="en-IN" sz="2600" b="1" dirty="0">
+                <a:solidFill>
+                  <a:srgbClr val="FF0000"/>
+                </a:solidFill>
+              </a:rPr>
               <a:t>webpages</a:t>
             </a:r>
           </a:p>
@@ -22099,12 +22371,24 @@
               <a:t>A </a:t>
             </a:r>
             <a:r>
-              <a:rPr lang="en-IN" sz="2600" b="1" dirty="0"/>
+              <a:rPr lang="en-IN" sz="2600" b="1" dirty="0">
+                <a:solidFill>
+                  <a:srgbClr val="FF0000"/>
+                </a:solidFill>
+              </a:rPr>
               <a:t>website</a:t>
             </a:r>
             <a:r>
+              <a:rPr lang="en-IN" sz="2600" dirty="0">
+                <a:solidFill>
+                  <a:srgbClr val="FF0000"/>
+                </a:solidFill>
+              </a:rPr>
+              <a:t> is a related collection of webpages created and maintained by a person, company</a:t>
+            </a:r>
+            <a:r>
               <a:rPr lang="en-IN" sz="2600" dirty="0"/>
-              <a:t> is a related collection of webpages created and maintained by a person, company, educational institution, or other organization</a:t>
+              <a:t>, educational institution, or other organization</a:t>
             </a:r>
           </a:p>
           <a:p>
@@ -22472,11 +22756,19 @@
               <a:t>A </a:t>
             </a:r>
             <a:r>
-              <a:rPr lang="en-US" sz="2600" b="1" dirty="0"/>
+              <a:rPr lang="en-US" sz="2600" b="1" dirty="0">
+                <a:solidFill>
+                  <a:srgbClr val="FF0000"/>
+                </a:solidFill>
+              </a:rPr>
               <a:t>home page </a:t>
             </a:r>
             <a:r>
-              <a:rPr lang="en-US" sz="2600" dirty="0"/>
+              <a:rPr lang="en-US" sz="2600" dirty="0">
+                <a:solidFill>
+                  <a:srgbClr val="FF0000"/>
+                </a:solidFill>
+              </a:rPr>
               <a:t>is the first document users see when they access a website</a:t>
             </a:r>
           </a:p>
@@ -22486,20 +22778,40 @@
               <a:t>A </a:t>
             </a:r>
             <a:r>
-              <a:rPr lang="en-IN" sz="2600" b="1" dirty="0"/>
+              <a:rPr lang="en-IN" sz="2600" b="1" dirty="0">
+                <a:solidFill>
+                  <a:srgbClr val="FF0000"/>
+                </a:solidFill>
+              </a:rPr>
               <a:t>hyperlink</a:t>
             </a:r>
             <a:r>
+              <a:rPr lang="en-IN" sz="2600" dirty="0">
+                <a:solidFill>
+                  <a:srgbClr val="FF0000"/>
+                </a:solidFill>
+              </a:rPr>
+              <a:t>, commonly called a </a:t>
+            </a:r>
+            <a:r>
+              <a:rPr lang="en-IN" sz="2600" b="1" dirty="0">
+                <a:solidFill>
+                  <a:srgbClr val="FF0000"/>
+                </a:solidFill>
+              </a:rPr>
+              <a:t>link</a:t>
+            </a:r>
+            <a:r>
+              <a:rPr lang="en-IN" sz="2600" dirty="0">
+                <a:solidFill>
+                  <a:srgbClr val="FF0000"/>
+                </a:solidFill>
+              </a:rPr>
+              <a:t>, is an element that connects one webpage to another webpage </a:t>
+            </a:r>
+            <a:r>
               <a:rPr lang="en-IN" sz="2600" dirty="0"/>
-              <a:t>, commonly called a </a:t>
-            </a:r>
-            <a:r>
-              <a:rPr lang="en-IN" sz="2600" b="1" dirty="0"/>
-              <a:t>link</a:t>
-            </a:r>
-            <a:r>
-              <a:rPr lang="en-IN" sz="2600" dirty="0"/>
-              <a:t>, is an element that connects one webpage to another webpage on the same server or to any other web server in the world</a:t>
+              <a:t>on the same server or to any other web server in the world</a:t>
             </a:r>
             <a:endParaRPr lang="en-US" sz="2600" dirty="0"/>
           </a:p>
